--- a/AI인공지능 프로젝트1.pptx
+++ b/AI인공지능 프로젝트1.pptx
@@ -260,7 +260,7 @@
           <a:p>
             <a:fld id="{48ABC9F5-2327-46E0-80C0-05155DDCDAA5}" type="datetimeFigureOut">
               <a:rPr lang="ko-KR" altLang="en-US" smtClean="0"/>
-              <a:t>2022-10-31</a:t>
+              <a:t>2022-11-01</a:t>
             </a:fld>
             <a:endParaRPr lang="ko-KR" altLang="en-US"/>
           </a:p>
@@ -430,7 +430,7 @@
           <a:p>
             <a:fld id="{48ABC9F5-2327-46E0-80C0-05155DDCDAA5}" type="datetimeFigureOut">
               <a:rPr lang="ko-KR" altLang="en-US" smtClean="0"/>
-              <a:t>2022-10-31</a:t>
+              <a:t>2022-11-01</a:t>
             </a:fld>
             <a:endParaRPr lang="ko-KR" altLang="en-US"/>
           </a:p>
@@ -610,7 +610,7 @@
           <a:p>
             <a:fld id="{48ABC9F5-2327-46E0-80C0-05155DDCDAA5}" type="datetimeFigureOut">
               <a:rPr lang="ko-KR" altLang="en-US" smtClean="0"/>
-              <a:t>2022-10-31</a:t>
+              <a:t>2022-11-01</a:t>
             </a:fld>
             <a:endParaRPr lang="ko-KR" altLang="en-US"/>
           </a:p>
@@ -780,7 +780,7 @@
           <a:p>
             <a:fld id="{48ABC9F5-2327-46E0-80C0-05155DDCDAA5}" type="datetimeFigureOut">
               <a:rPr lang="ko-KR" altLang="en-US" smtClean="0"/>
-              <a:t>2022-10-31</a:t>
+              <a:t>2022-11-01</a:t>
             </a:fld>
             <a:endParaRPr lang="ko-KR" altLang="en-US"/>
           </a:p>
@@ -1024,7 +1024,7 @@
           <a:p>
             <a:fld id="{48ABC9F5-2327-46E0-80C0-05155DDCDAA5}" type="datetimeFigureOut">
               <a:rPr lang="ko-KR" altLang="en-US" smtClean="0"/>
-              <a:t>2022-10-31</a:t>
+              <a:t>2022-11-01</a:t>
             </a:fld>
             <a:endParaRPr lang="ko-KR" altLang="en-US"/>
           </a:p>
@@ -1256,7 +1256,7 @@
           <a:p>
             <a:fld id="{48ABC9F5-2327-46E0-80C0-05155DDCDAA5}" type="datetimeFigureOut">
               <a:rPr lang="ko-KR" altLang="en-US" smtClean="0"/>
-              <a:t>2022-10-31</a:t>
+              <a:t>2022-11-01</a:t>
             </a:fld>
             <a:endParaRPr lang="ko-KR" altLang="en-US"/>
           </a:p>
@@ -1623,7 +1623,7 @@
           <a:p>
             <a:fld id="{48ABC9F5-2327-46E0-80C0-05155DDCDAA5}" type="datetimeFigureOut">
               <a:rPr lang="ko-KR" altLang="en-US" smtClean="0"/>
-              <a:t>2022-10-31</a:t>
+              <a:t>2022-11-01</a:t>
             </a:fld>
             <a:endParaRPr lang="ko-KR" altLang="en-US"/>
           </a:p>
@@ -1741,7 +1741,7 @@
           <a:p>
             <a:fld id="{48ABC9F5-2327-46E0-80C0-05155DDCDAA5}" type="datetimeFigureOut">
               <a:rPr lang="ko-KR" altLang="en-US" smtClean="0"/>
-              <a:t>2022-10-31</a:t>
+              <a:t>2022-11-01</a:t>
             </a:fld>
             <a:endParaRPr lang="ko-KR" altLang="en-US"/>
           </a:p>
@@ -1836,7 +1836,7 @@
           <a:p>
             <a:fld id="{48ABC9F5-2327-46E0-80C0-05155DDCDAA5}" type="datetimeFigureOut">
               <a:rPr lang="ko-KR" altLang="en-US" smtClean="0"/>
-              <a:t>2022-10-31</a:t>
+              <a:t>2022-11-01</a:t>
             </a:fld>
             <a:endParaRPr lang="ko-KR" altLang="en-US"/>
           </a:p>
@@ -2113,7 +2113,7 @@
           <a:p>
             <a:fld id="{48ABC9F5-2327-46E0-80C0-05155DDCDAA5}" type="datetimeFigureOut">
               <a:rPr lang="ko-KR" altLang="en-US" smtClean="0"/>
-              <a:t>2022-10-31</a:t>
+              <a:t>2022-11-01</a:t>
             </a:fld>
             <a:endParaRPr lang="ko-KR" altLang="en-US"/>
           </a:p>
@@ -2370,7 +2370,7 @@
           <a:p>
             <a:fld id="{48ABC9F5-2327-46E0-80C0-05155DDCDAA5}" type="datetimeFigureOut">
               <a:rPr lang="ko-KR" altLang="en-US" smtClean="0"/>
-              <a:t>2022-10-31</a:t>
+              <a:t>2022-11-01</a:t>
             </a:fld>
             <a:endParaRPr lang="ko-KR" altLang="en-US"/>
           </a:p>
@@ -2583,7 +2583,7 @@
           <a:p>
             <a:fld id="{48ABC9F5-2327-46E0-80C0-05155DDCDAA5}" type="datetimeFigureOut">
               <a:rPr lang="ko-KR" altLang="en-US" smtClean="0"/>
-              <a:t>2022-10-31</a:t>
+              <a:t>2022-11-01</a:t>
             </a:fld>
             <a:endParaRPr lang="ko-KR" altLang="en-US"/>
           </a:p>
@@ -3009,7 +3009,7 @@
                 <a14:useLocalDpi xmlns:a14="http://schemas.microsoft.com/office/drawing/2010/main" val="0"/>
               </a:ext>
               <a:ext uri="{96DAC541-7B7A-43D3-8B79-37D633B846F1}">
-                <asvg:svgBlip xmlns:asvg="http://schemas.microsoft.com/office/drawing/2016/SVG/main" xmlns="" r:embed="rId3"/>
+                <asvg:svgBlip xmlns="" xmlns:asvg="http://schemas.microsoft.com/office/drawing/2016/SVG/main" r:embed="rId3"/>
               </a:ext>
             </a:extLst>
           </a:blip>
@@ -4040,7 +4040,28 @@
                 <a:latin typeface="Noto Sans CJK KR Black" panose="020B0A00000000000000" pitchFamily="34" charset="-127"/>
                 <a:ea typeface="Noto Sans CJK KR Black" panose="020B0A00000000000000" pitchFamily="34" charset="-127"/>
               </a:rPr>
-              <a:t>1</a:t>
+              <a:t>5</a:t>
+            </a:r>
+            <a:r>
+              <a:rPr lang="ko-KR" altLang="en-US" sz="1799" spc="-56" smtClean="0">
+                <a:ln>
+                  <a:solidFill>
+                    <a:prstClr val="white">
+                      <a:lumMod val="85000"/>
+                      <a:alpha val="0"/>
+                    </a:prstClr>
+                  </a:solidFill>
+                </a:ln>
+                <a:solidFill>
+                  <a:schemeClr val="tx1">
+                    <a:lumMod val="95000"/>
+                    <a:lumOff val="5000"/>
+                  </a:schemeClr>
+                </a:solidFill>
+                <a:latin typeface="Noto Sans CJK KR Black" panose="020B0A00000000000000" pitchFamily="34" charset="-127"/>
+                <a:ea typeface="Noto Sans CJK KR Black" panose="020B0A00000000000000" pitchFamily="34" charset="-127"/>
+              </a:rPr>
+              <a:t>조   </a:t>
             </a:r>
             <a:r>
               <a:rPr lang="ko-KR" altLang="en-US" sz="1799" spc="-56" dirty="0">
@@ -4061,7 +4082,7 @@
                 <a:latin typeface="Noto Sans CJK KR Black" panose="020B0A00000000000000" pitchFamily="34" charset="-127"/>
                 <a:ea typeface="Noto Sans CJK KR Black" panose="020B0A00000000000000" pitchFamily="34" charset="-127"/>
               </a:rPr>
-              <a:t>조   이름</a:t>
+              <a:t>이름</a:t>
             </a:r>
             <a:r>
               <a:rPr lang="ko-KR" altLang="en-US" sz="1799" spc="-56" dirty="0">
@@ -4103,28 +4124,7 @@
                 <a:latin typeface="Noto Sans CJK KR Regular" panose="020B0500000000000000" pitchFamily="34" charset="-127"/>
                 <a:ea typeface="Noto Sans CJK KR Regular" panose="020B0500000000000000" pitchFamily="34" charset="-127"/>
               </a:rPr>
-              <a:t>: </a:t>
-            </a:r>
-            <a:r>
-              <a:rPr lang="en-US" altLang="ko-KR" sz="1799" spc="-56" dirty="0">
-                <a:ln>
-                  <a:solidFill>
-                    <a:prstClr val="white">
-                      <a:lumMod val="85000"/>
-                      <a:alpha val="0"/>
-                    </a:prstClr>
-                  </a:solidFill>
-                </a:ln>
-                <a:solidFill>
-                  <a:schemeClr val="tx1">
-                    <a:lumMod val="95000"/>
-                    <a:lumOff val="5000"/>
-                  </a:schemeClr>
-                </a:solidFill>
-                <a:latin typeface="Noto Sans CJK KR Regular" panose="020B0500000000000000" pitchFamily="34" charset="-127"/>
-                <a:ea typeface="Noto Sans CJK KR Regular" panose="020B0500000000000000" pitchFamily="34" charset="-127"/>
-              </a:rPr>
-              <a:t> </a:t>
+              <a:t>:  </a:t>
             </a:r>
             <a:r>
               <a:rPr lang="ko-KR" altLang="en-US" sz="1799" spc="-56" dirty="0" err="1">
@@ -4382,24 +4382,6 @@
               </a:rPr>
               <a:t>1</a:t>
             </a:r>
-            <a:endParaRPr lang="en-US" altLang="ko-KR" sz="1799" spc="-56" dirty="0">
-              <a:ln>
-                <a:solidFill>
-                  <a:prstClr val="white">
-                    <a:lumMod val="85000"/>
-                    <a:alpha val="0"/>
-                  </a:prstClr>
-                </a:solidFill>
-              </a:ln>
-              <a:solidFill>
-                <a:schemeClr val="tx1">
-                  <a:lumMod val="95000"/>
-                  <a:lumOff val="5000"/>
-                </a:schemeClr>
-              </a:solidFill>
-              <a:latin typeface="Noto Sans CJK KR Regular" panose="020B0500000000000000" pitchFamily="34" charset="-127"/>
-              <a:ea typeface="Noto Sans CJK KR Regular" panose="020B0500000000000000" pitchFamily="34" charset="-127"/>
-            </a:endParaRPr>
           </a:p>
         </p:txBody>
       </p:sp>
@@ -4686,7 +4668,7 @@
                 <a14:useLocalDpi xmlns:a14="http://schemas.microsoft.com/office/drawing/2010/main" val="0"/>
               </a:ext>
               <a:ext uri="{96DAC541-7B7A-43D3-8B79-37D633B846F1}">
-                <asvg:svgBlip xmlns:asvg="http://schemas.microsoft.com/office/drawing/2016/SVG/main" xmlns="" r:embed="rId3"/>
+                <asvg:svgBlip xmlns="" xmlns:asvg="http://schemas.microsoft.com/office/drawing/2016/SVG/main" r:embed="rId3"/>
               </a:ext>
             </a:extLst>
           </a:blip>
@@ -5431,7 +5413,7 @@
                 <a14:useLocalDpi xmlns:a14="http://schemas.microsoft.com/office/drawing/2010/main" val="0"/>
               </a:ext>
               <a:ext uri="{96DAC541-7B7A-43D3-8B79-37D633B846F1}">
-                <asvg:svgBlip xmlns:asvg="http://schemas.microsoft.com/office/drawing/2016/SVG/main" xmlns="" r:embed="rId3"/>
+                <asvg:svgBlip xmlns="" xmlns:asvg="http://schemas.microsoft.com/office/drawing/2016/SVG/main" r:embed="rId3"/>
               </a:ext>
             </a:extLst>
           </a:blip>
